--- a/Project 1 - Group3.pptx
+++ b/Project 1 - Group3.pptx
@@ -21,8 +21,10 @@
     <p:sldId id="282" r:id="rId15"/>
     <p:sldId id="283" r:id="rId16"/>
     <p:sldId id="284" r:id="rId17"/>
-    <p:sldId id="285" r:id="rId18"/>
-    <p:sldId id="286" r:id="rId19"/>
+    <p:sldId id="287" r:id="rId18"/>
+    <p:sldId id="285" r:id="rId19"/>
+    <p:sldId id="286" r:id="rId20"/>
+    <p:sldId id="288" r:id="rId21"/>
   </p:sldIdLst>
   <p:sldSz cx="12192000" cy="6858000"/>
   <p:notesSz cx="6858000" cy="9144000"/>
@@ -11536,7 +11538,7 @@
         <p:spPr>
           <a:xfrm>
             <a:off x="335902" y="512760"/>
-            <a:ext cx="11532637" cy="5940384"/>
+            <a:ext cx="11299371" cy="5940384"/>
           </a:xfrm>
           <a:prstGeom prst="rect">
             <a:avLst/>
@@ -12749,10 +12751,10 @@
       </p:sp>
       <p:pic>
         <p:nvPicPr>
-          <p:cNvPr id="4" name="Picture 3">
+          <p:cNvPr id="3" name="Picture 2">
             <a:extLst>
               <a:ext uri="{FF2B5EF4-FFF2-40B4-BE49-F238E27FC236}">
-                <a16:creationId xmlns:a16="http://schemas.microsoft.com/office/drawing/2014/main" id="{BC4B0166-1C75-4040-9638-7B5558BBA5ED}"/>
+                <a16:creationId xmlns:a16="http://schemas.microsoft.com/office/drawing/2014/main" id="{0152013C-6719-4B80-9D29-8DADD28DAB63}"/>
               </a:ext>
             </a:extLst>
           </p:cNvPr>
@@ -12769,8 +12771,8 @@
         </p:blipFill>
         <p:spPr>
           <a:xfrm>
-            <a:off x="335902" y="391885"/>
-            <a:ext cx="11467321" cy="6177630"/>
+            <a:off x="317241" y="420537"/>
+            <a:ext cx="11243388" cy="5992583"/>
           </a:xfrm>
           <a:prstGeom prst="rect">
             <a:avLst/>
@@ -12780,7 +12782,7 @@
     </p:spTree>
     <p:extLst>
       <p:ext uri="{BB962C8B-B14F-4D97-AF65-F5344CB8AC3E}">
-        <p14:creationId xmlns:p14="http://schemas.microsoft.com/office/powerpoint/2010/main" val="3527937696"/>
+        <p14:creationId xmlns:p14="http://schemas.microsoft.com/office/powerpoint/2010/main" val="3613007198"/>
       </p:ext>
     </p:extLst>
   </p:cSld>
@@ -13369,6 +13371,623 @@
           <p:cNvPr id="4" name="Picture 3">
             <a:extLst>
               <a:ext uri="{FF2B5EF4-FFF2-40B4-BE49-F238E27FC236}">
+                <a16:creationId xmlns:a16="http://schemas.microsoft.com/office/drawing/2014/main" id="{BC4B0166-1C75-4040-9638-7B5558BBA5ED}"/>
+              </a:ext>
+            </a:extLst>
+          </p:cNvPr>
+          <p:cNvPicPr>
+            <a:picLocks noChangeAspect="1"/>
+          </p:cNvPicPr>
+          <p:nvPr/>
+        </p:nvPicPr>
+        <p:blipFill>
+          <a:blip r:embed="rId2"/>
+          <a:stretch>
+            <a:fillRect/>
+          </a:stretch>
+        </p:blipFill>
+        <p:spPr>
+          <a:xfrm>
+            <a:off x="335902" y="391885"/>
+            <a:ext cx="11467321" cy="6177630"/>
+          </a:xfrm>
+          <a:prstGeom prst="rect">
+            <a:avLst/>
+          </a:prstGeom>
+        </p:spPr>
+      </p:pic>
+    </p:spTree>
+    <p:extLst>
+      <p:ext uri="{BB962C8B-B14F-4D97-AF65-F5344CB8AC3E}">
+        <p14:creationId xmlns:p14="http://schemas.microsoft.com/office/powerpoint/2010/main" val="3527937696"/>
+      </p:ext>
+    </p:extLst>
+  </p:cSld>
+  <p:clrMapOvr>
+    <a:masterClrMapping/>
+  </p:clrMapOvr>
+</p:sld>
+</file>
+
+<file path=ppt/slides/slide19.xml><?xml version="1.0" encoding="utf-8"?>
+<p:sld xmlns:a="http://schemas.openxmlformats.org/drawingml/2006/main" xmlns:r="http://schemas.openxmlformats.org/officeDocument/2006/relationships" xmlns:p="http://schemas.openxmlformats.org/presentationml/2006/main">
+  <p:cSld>
+    <p:bg>
+      <p:bgPr>
+        <a:solidFill>
+          <a:schemeClr val="bg1"/>
+        </a:solidFill>
+        <a:effectLst/>
+      </p:bgPr>
+    </p:bg>
+    <p:spTree>
+      <p:nvGrpSpPr>
+        <p:cNvPr id="1" name=""/>
+        <p:cNvGrpSpPr/>
+        <p:nvPr/>
+      </p:nvGrpSpPr>
+      <p:grpSpPr>
+        <a:xfrm>
+          <a:off x="0" y="0"/>
+          <a:ext cx="0" cy="0"/>
+          <a:chOff x="0" y="0"/>
+          <a:chExt cx="0" cy="0"/>
+        </a:xfrm>
+      </p:grpSpPr>
+      <p:sp>
+        <p:nvSpPr>
+          <p:cNvPr id="15" name="Rectangle 14">
+            <a:extLst>
+              <a:ext uri="{FF2B5EF4-FFF2-40B4-BE49-F238E27FC236}">
+                <a16:creationId xmlns:a16="http://schemas.microsoft.com/office/drawing/2014/main" id="{F3060C83-F051-4F0E-ABAD-AA0DFC48B218}"/>
+              </a:ext>
+              <a:ext uri="{C183D7F6-B498-43B3-948B-1728B52AA6E4}">
+                <adec:decorative xmlns:adec="http://schemas.microsoft.com/office/drawing/2017/decorative" val="1"/>
+              </a:ext>
+            </a:extLst>
+          </p:cNvPr>
+          <p:cNvSpPr>
+            <a:spLocks noGrp="1" noRot="1" noChangeAspect="1" noMove="1" noResize="1" noEditPoints="1" noAdjustHandles="1" noChangeArrowheads="1" noChangeShapeType="1" noTextEdit="1"/>
+          </p:cNvSpPr>
+          <p:nvPr>
+            <p:extLst>
+              <p:ext uri="{386F3935-93C4-4BCD-93E2-E3B085C9AB24}">
+                <p16:designElem xmlns:p16="http://schemas.microsoft.com/office/powerpoint/2015/main" val="1"/>
+              </p:ext>
+            </p:extLst>
+          </p:nvPr>
+        </p:nvSpPr>
+        <p:spPr>
+          <a:xfrm>
+            <a:off x="0" y="0"/>
+            <a:ext cx="12192000" cy="6858000"/>
+          </a:xfrm>
+          <a:prstGeom prst="rect">
+            <a:avLst/>
+          </a:prstGeom>
+          <a:solidFill>
+            <a:schemeClr val="bg1"/>
+          </a:solidFill>
+          <a:ln>
+            <a:noFill/>
+          </a:ln>
+        </p:spPr>
+        <p:style>
+          <a:lnRef idx="2">
+            <a:schemeClr val="accent1">
+              <a:shade val="50000"/>
+            </a:schemeClr>
+          </a:lnRef>
+          <a:fillRef idx="1">
+            <a:schemeClr val="accent1"/>
+          </a:fillRef>
+          <a:effectRef idx="0">
+            <a:schemeClr val="accent1"/>
+          </a:effectRef>
+          <a:fontRef idx="minor">
+            <a:schemeClr val="lt1"/>
+          </a:fontRef>
+        </p:style>
+        <p:txBody>
+          <a:bodyPr rtlCol="0" anchor="ctr"/>
+          <a:lstStyle/>
+          <a:p>
+            <a:pPr algn="ctr"/>
+            <a:endParaRPr lang="en-US" dirty="0"/>
+          </a:p>
+        </p:txBody>
+      </p:sp>
+      <p:sp>
+        <p:nvSpPr>
+          <p:cNvPr id="17" name="Freeform: Shape 16">
+            <a:extLst>
+              <a:ext uri="{FF2B5EF4-FFF2-40B4-BE49-F238E27FC236}">
+                <a16:creationId xmlns:a16="http://schemas.microsoft.com/office/drawing/2014/main" id="{83C98ABE-055B-441F-B07E-44F97F083C39}"/>
+              </a:ext>
+              <a:ext uri="{C183D7F6-B498-43B3-948B-1728B52AA6E4}">
+                <adec:decorative xmlns:adec="http://schemas.microsoft.com/office/drawing/2017/decorative" val="1"/>
+              </a:ext>
+            </a:extLst>
+          </p:cNvPr>
+          <p:cNvSpPr>
+            <a:spLocks noGrp="1" noRot="1" noChangeAspect="1" noMove="1" noResize="1" noEditPoints="1" noAdjustHandles="1" noChangeArrowheads="1" noChangeShapeType="1" noTextEdit="1"/>
+          </p:cNvSpPr>
+          <p:nvPr>
+            <p:extLst>
+              <p:ext uri="{386F3935-93C4-4BCD-93E2-E3B085C9AB24}">
+                <p16:designElem xmlns:p16="http://schemas.microsoft.com/office/powerpoint/2015/main" val="1"/>
+              </p:ext>
+            </p:extLst>
+          </p:nvPr>
+        </p:nvSpPr>
+        <p:spPr>
+          <a:xfrm rot="18900000" flipH="1">
+            <a:off x="-376156" y="-253670"/>
+            <a:ext cx="1827638" cy="1376989"/>
+          </a:xfrm>
+          <a:custGeom>
+            <a:avLst/>
+            <a:gdLst>
+              <a:gd name="connsiteX0" fmla="*/ 0 w 1827638"/>
+              <a:gd name="connsiteY0" fmla="*/ 987379 h 1376989"/>
+              <a:gd name="connsiteX1" fmla="*/ 987379 w 1827638"/>
+              <a:gd name="connsiteY1" fmla="*/ 0 h 1376989"/>
+              <a:gd name="connsiteX2" fmla="*/ 1827638 w 1827638"/>
+              <a:gd name="connsiteY2" fmla="*/ 840260 h 1376989"/>
+              <a:gd name="connsiteX3" fmla="*/ 1827638 w 1827638"/>
+              <a:gd name="connsiteY3" fmla="*/ 1376989 h 1376989"/>
+              <a:gd name="connsiteX4" fmla="*/ 0 w 1827638"/>
+              <a:gd name="connsiteY4" fmla="*/ 1376989 h 1376989"/>
+            </a:gdLst>
+            <a:ahLst/>
+            <a:cxnLst>
+              <a:cxn ang="0">
+                <a:pos x="connsiteX0" y="connsiteY0"/>
+              </a:cxn>
+              <a:cxn ang="0">
+                <a:pos x="connsiteX1" y="connsiteY1"/>
+              </a:cxn>
+              <a:cxn ang="0">
+                <a:pos x="connsiteX2" y="connsiteY2"/>
+              </a:cxn>
+              <a:cxn ang="0">
+                <a:pos x="connsiteX3" y="connsiteY3"/>
+              </a:cxn>
+              <a:cxn ang="0">
+                <a:pos x="connsiteX4" y="connsiteY4"/>
+              </a:cxn>
+            </a:cxnLst>
+            <a:rect l="l" t="t" r="r" b="b"/>
+            <a:pathLst>
+              <a:path w="1827638" h="1376989">
+                <a:moveTo>
+                  <a:pt x="0" y="987379"/>
+                </a:moveTo>
+                <a:lnTo>
+                  <a:pt x="987379" y="0"/>
+                </a:lnTo>
+                <a:lnTo>
+                  <a:pt x="1827638" y="840260"/>
+                </a:lnTo>
+                <a:lnTo>
+                  <a:pt x="1827638" y="1376989"/>
+                </a:lnTo>
+                <a:lnTo>
+                  <a:pt x="0" y="1376989"/>
+                </a:lnTo>
+                <a:close/>
+              </a:path>
+            </a:pathLst>
+          </a:custGeom>
+          <a:solidFill>
+            <a:schemeClr val="accent1">
+              <a:alpha val="30000"/>
+            </a:schemeClr>
+          </a:solidFill>
+          <a:ln>
+            <a:noFill/>
+          </a:ln>
+        </p:spPr>
+        <p:style>
+          <a:lnRef idx="2">
+            <a:schemeClr val="accent1">
+              <a:shade val="50000"/>
+            </a:schemeClr>
+          </a:lnRef>
+          <a:fillRef idx="1">
+            <a:schemeClr val="accent1"/>
+          </a:fillRef>
+          <a:effectRef idx="0">
+            <a:schemeClr val="accent1"/>
+          </a:effectRef>
+          <a:fontRef idx="minor">
+            <a:schemeClr val="lt1"/>
+          </a:fontRef>
+        </p:style>
+        <p:txBody>
+          <a:bodyPr rtlCol="0" anchor="ctr"/>
+          <a:lstStyle/>
+          <a:p>
+            <a:pPr algn="ctr"/>
+            <a:endParaRPr lang="en-US" dirty="0"/>
+          </a:p>
+        </p:txBody>
+      </p:sp>
+      <p:sp>
+        <p:nvSpPr>
+          <p:cNvPr id="19" name="Rectangle 18">
+            <a:extLst>
+              <a:ext uri="{FF2B5EF4-FFF2-40B4-BE49-F238E27FC236}">
+                <a16:creationId xmlns:a16="http://schemas.microsoft.com/office/drawing/2014/main" id="{29FDB030-9B49-4CED-8CCD-4D99382388AC}"/>
+              </a:ext>
+              <a:ext uri="{C183D7F6-B498-43B3-948B-1728B52AA6E4}">
+                <adec:decorative xmlns:adec="http://schemas.microsoft.com/office/drawing/2017/decorative" val="1"/>
+              </a:ext>
+            </a:extLst>
+          </p:cNvPr>
+          <p:cNvSpPr>
+            <a:spLocks noGrp="1" noRot="1" noChangeAspect="1" noMove="1" noResize="1" noEditPoints="1" noAdjustHandles="1" noChangeArrowheads="1" noChangeShapeType="1" noTextEdit="1"/>
+          </p:cNvSpPr>
+          <p:nvPr>
+            <p:extLst>
+              <p:ext uri="{386F3935-93C4-4BCD-93E2-E3B085C9AB24}">
+                <p16:designElem xmlns:p16="http://schemas.microsoft.com/office/powerpoint/2015/main" val="1"/>
+              </p:ext>
+            </p:extLst>
+          </p:nvPr>
+        </p:nvSpPr>
+        <p:spPr>
+          <a:xfrm rot="18900000" flipH="1">
+            <a:off x="891641" y="422146"/>
+            <a:ext cx="645368" cy="645368"/>
+          </a:xfrm>
+          <a:prstGeom prst="rect">
+            <a:avLst/>
+          </a:prstGeom>
+          <a:solidFill>
+            <a:schemeClr val="accent1">
+              <a:alpha val="30000"/>
+            </a:schemeClr>
+          </a:solidFill>
+          <a:ln>
+            <a:noFill/>
+          </a:ln>
+        </p:spPr>
+        <p:style>
+          <a:lnRef idx="2">
+            <a:schemeClr val="accent1">
+              <a:shade val="50000"/>
+            </a:schemeClr>
+          </a:lnRef>
+          <a:fillRef idx="1">
+            <a:schemeClr val="accent1"/>
+          </a:fillRef>
+          <a:effectRef idx="0">
+            <a:schemeClr val="accent1"/>
+          </a:effectRef>
+          <a:fontRef idx="minor">
+            <a:schemeClr val="lt1"/>
+          </a:fontRef>
+        </p:style>
+        <p:txBody>
+          <a:bodyPr rtlCol="0" anchor="ctr"/>
+          <a:lstStyle/>
+          <a:p>
+            <a:pPr algn="ctr"/>
+            <a:endParaRPr lang="en-US"/>
+          </a:p>
+        </p:txBody>
+      </p:sp>
+      <p:sp>
+        <p:nvSpPr>
+          <p:cNvPr id="21" name="Rectangle 20">
+            <a:extLst>
+              <a:ext uri="{FF2B5EF4-FFF2-40B4-BE49-F238E27FC236}">
+                <a16:creationId xmlns:a16="http://schemas.microsoft.com/office/drawing/2014/main" id="{3783CA14-24A1-485C-8B30-D6A5D87987AD}"/>
+              </a:ext>
+              <a:ext uri="{C183D7F6-B498-43B3-948B-1728B52AA6E4}">
+                <adec:decorative xmlns:adec="http://schemas.microsoft.com/office/drawing/2017/decorative" val="1"/>
+              </a:ext>
+            </a:extLst>
+          </p:cNvPr>
+          <p:cNvSpPr>
+            <a:spLocks noGrp="1" noRot="1" noChangeAspect="1" noMove="1" noResize="1" noEditPoints="1" noAdjustHandles="1" noChangeArrowheads="1" noChangeShapeType="1" noTextEdit="1"/>
+          </p:cNvSpPr>
+          <p:nvPr>
+            <p:extLst>
+              <p:ext uri="{386F3935-93C4-4BCD-93E2-E3B085C9AB24}">
+                <p16:designElem xmlns:p16="http://schemas.microsoft.com/office/powerpoint/2015/main" val="1"/>
+              </p:ext>
+            </p:extLst>
+          </p:nvPr>
+        </p:nvSpPr>
+        <p:spPr>
+          <a:xfrm rot="18900000" flipH="1">
+            <a:off x="10043482" y="655140"/>
+            <a:ext cx="687472" cy="687472"/>
+          </a:xfrm>
+          <a:prstGeom prst="rect">
+            <a:avLst/>
+          </a:prstGeom>
+          <a:solidFill>
+            <a:schemeClr val="accent4">
+              <a:alpha val="30000"/>
+            </a:schemeClr>
+          </a:solidFill>
+          <a:ln>
+            <a:noFill/>
+          </a:ln>
+        </p:spPr>
+        <p:style>
+          <a:lnRef idx="2">
+            <a:schemeClr val="accent1">
+              <a:shade val="50000"/>
+            </a:schemeClr>
+          </a:lnRef>
+          <a:fillRef idx="1">
+            <a:schemeClr val="accent1"/>
+          </a:fillRef>
+          <a:effectRef idx="0">
+            <a:schemeClr val="accent1"/>
+          </a:effectRef>
+          <a:fontRef idx="minor">
+            <a:schemeClr val="lt1"/>
+          </a:fontRef>
+        </p:style>
+        <p:txBody>
+          <a:bodyPr rtlCol="0" anchor="ctr"/>
+          <a:lstStyle/>
+          <a:p>
+            <a:pPr algn="ctr"/>
+            <a:endParaRPr lang="en-US"/>
+          </a:p>
+        </p:txBody>
+      </p:sp>
+      <p:sp>
+        <p:nvSpPr>
+          <p:cNvPr id="23" name="Freeform: Shape 22">
+            <a:extLst>
+              <a:ext uri="{FF2B5EF4-FFF2-40B4-BE49-F238E27FC236}">
+                <a16:creationId xmlns:a16="http://schemas.microsoft.com/office/drawing/2014/main" id="{9A97C86A-04D6-40F7-AE84-31AB43E6A846}"/>
+              </a:ext>
+              <a:ext uri="{C183D7F6-B498-43B3-948B-1728B52AA6E4}">
+                <adec:decorative xmlns:adec="http://schemas.microsoft.com/office/drawing/2017/decorative" val="1"/>
+              </a:ext>
+            </a:extLst>
+          </p:cNvPr>
+          <p:cNvSpPr>
+            <a:spLocks noGrp="1" noRot="1" noChangeAspect="1" noMove="1" noResize="1" noEditPoints="1" noAdjustHandles="1" noChangeArrowheads="1" noChangeShapeType="1" noTextEdit="1"/>
+          </p:cNvSpPr>
+          <p:nvPr>
+            <p:extLst>
+              <p:ext uri="{386F3935-93C4-4BCD-93E2-E3B085C9AB24}">
+                <p16:designElem xmlns:p16="http://schemas.microsoft.com/office/powerpoint/2015/main" val="1"/>
+              </p:ext>
+            </p:extLst>
+          </p:nvPr>
+        </p:nvSpPr>
+        <p:spPr>
+          <a:xfrm rot="10800000" flipH="1">
+            <a:off x="9356643" y="0"/>
+            <a:ext cx="2835357" cy="1480837"/>
+          </a:xfrm>
+          <a:custGeom>
+            <a:avLst/>
+            <a:gdLst>
+              <a:gd name="connsiteX0" fmla="*/ 2835357 w 2835357"/>
+              <a:gd name="connsiteY0" fmla="*/ 1480837 h 1480837"/>
+              <a:gd name="connsiteX1" fmla="*/ 0 w 2835357"/>
+              <a:gd name="connsiteY1" fmla="*/ 1480837 h 1480837"/>
+              <a:gd name="connsiteX2" fmla="*/ 1552727 w 2835357"/>
+              <a:gd name="connsiteY2" fmla="*/ 0 h 1480837"/>
+              <a:gd name="connsiteX3" fmla="*/ 2835357 w 2835357"/>
+              <a:gd name="connsiteY3" fmla="*/ 1223245 h 1480837"/>
+            </a:gdLst>
+            <a:ahLst/>
+            <a:cxnLst>
+              <a:cxn ang="0">
+                <a:pos x="connsiteX0" y="connsiteY0"/>
+              </a:cxn>
+              <a:cxn ang="0">
+                <a:pos x="connsiteX1" y="connsiteY1"/>
+              </a:cxn>
+              <a:cxn ang="0">
+                <a:pos x="connsiteX2" y="connsiteY2"/>
+              </a:cxn>
+              <a:cxn ang="0">
+                <a:pos x="connsiteX3" y="connsiteY3"/>
+              </a:cxn>
+            </a:cxnLst>
+            <a:rect l="l" t="t" r="r" b="b"/>
+            <a:pathLst>
+              <a:path w="2835357" h="1480837">
+                <a:moveTo>
+                  <a:pt x="2835357" y="1480837"/>
+                </a:moveTo>
+                <a:lnTo>
+                  <a:pt x="0" y="1480837"/>
+                </a:lnTo>
+                <a:lnTo>
+                  <a:pt x="1552727" y="0"/>
+                </a:lnTo>
+                <a:lnTo>
+                  <a:pt x="2835357" y="1223245"/>
+                </a:lnTo>
+                <a:close/>
+              </a:path>
+            </a:pathLst>
+          </a:custGeom>
+          <a:solidFill>
+            <a:schemeClr val="accent4">
+              <a:alpha val="30000"/>
+            </a:schemeClr>
+          </a:solidFill>
+          <a:ln>
+            <a:noFill/>
+          </a:ln>
+        </p:spPr>
+        <p:style>
+          <a:lnRef idx="2">
+            <a:schemeClr val="accent1">
+              <a:shade val="50000"/>
+            </a:schemeClr>
+          </a:lnRef>
+          <a:fillRef idx="1">
+            <a:schemeClr val="accent1"/>
+          </a:fillRef>
+          <a:effectRef idx="0">
+            <a:schemeClr val="accent1"/>
+          </a:effectRef>
+          <a:fontRef idx="minor">
+            <a:schemeClr val="lt1"/>
+          </a:fontRef>
+        </p:style>
+        <p:txBody>
+          <a:bodyPr wrap="square" rtlCol="0" anchor="ctr">
+            <a:noAutofit/>
+          </a:bodyPr>
+          <a:lstStyle/>
+          <a:p>
+            <a:pPr algn="ctr"/>
+            <a:endParaRPr lang="en-US" dirty="0"/>
+          </a:p>
+        </p:txBody>
+      </p:sp>
+      <p:sp>
+        <p:nvSpPr>
+          <p:cNvPr id="25" name="Isosceles Triangle 24">
+            <a:extLst>
+              <a:ext uri="{FF2B5EF4-FFF2-40B4-BE49-F238E27FC236}">
+                <a16:creationId xmlns:a16="http://schemas.microsoft.com/office/drawing/2014/main" id="{FF9F2414-84E8-453E-B1F3-389FDE8192D9}"/>
+              </a:ext>
+              <a:ext uri="{C183D7F6-B498-43B3-948B-1728B52AA6E4}">
+                <adec:decorative xmlns:adec="http://schemas.microsoft.com/office/drawing/2017/decorative" val="1"/>
+              </a:ext>
+            </a:extLst>
+          </p:cNvPr>
+          <p:cNvSpPr>
+            <a:spLocks noGrp="1" noRot="1" noChangeAspect="1" noMove="1" noResize="1" noEditPoints="1" noAdjustHandles="1" noChangeArrowheads="1" noChangeShapeType="1" noTextEdit="1"/>
+          </p:cNvSpPr>
+          <p:nvPr>
+            <p:extLst>
+              <p:ext uri="{386F3935-93C4-4BCD-93E2-E3B085C9AB24}">
+                <p16:designElem xmlns:p16="http://schemas.microsoft.com/office/powerpoint/2015/main" val="1"/>
+              </p:ext>
+            </p:extLst>
+          </p:nvPr>
+        </p:nvSpPr>
+        <p:spPr>
+          <a:xfrm flipH="1">
+            <a:off x="7976344" y="6115501"/>
+            <a:ext cx="1494513" cy="742499"/>
+          </a:xfrm>
+          <a:prstGeom prst="triangle">
+            <a:avLst/>
+          </a:prstGeom>
+          <a:solidFill>
+            <a:schemeClr val="accent1">
+              <a:alpha val="30000"/>
+            </a:schemeClr>
+          </a:solidFill>
+          <a:ln>
+            <a:noFill/>
+          </a:ln>
+        </p:spPr>
+        <p:style>
+          <a:lnRef idx="2">
+            <a:schemeClr val="accent1">
+              <a:shade val="50000"/>
+            </a:schemeClr>
+          </a:lnRef>
+          <a:fillRef idx="1">
+            <a:schemeClr val="accent1"/>
+          </a:fillRef>
+          <a:effectRef idx="0">
+            <a:schemeClr val="accent1"/>
+          </a:effectRef>
+          <a:fontRef idx="minor">
+            <a:schemeClr val="lt1"/>
+          </a:fontRef>
+        </p:style>
+        <p:txBody>
+          <a:bodyPr rtlCol="0" anchor="ctr"/>
+          <a:lstStyle/>
+          <a:p>
+            <a:pPr algn="ctr"/>
+            <a:endParaRPr lang="en-US"/>
+          </a:p>
+        </p:txBody>
+      </p:sp>
+      <p:sp>
+        <p:nvSpPr>
+          <p:cNvPr id="27" name="Isosceles Triangle 26">
+            <a:extLst>
+              <a:ext uri="{FF2B5EF4-FFF2-40B4-BE49-F238E27FC236}">
+                <a16:creationId xmlns:a16="http://schemas.microsoft.com/office/drawing/2014/main" id="{3ECA69A1-7536-43AC-85EF-C7106179F5ED}"/>
+              </a:ext>
+              <a:ext uri="{C183D7F6-B498-43B3-948B-1728B52AA6E4}">
+                <adec:decorative xmlns:adec="http://schemas.microsoft.com/office/drawing/2017/decorative" val="1"/>
+              </a:ext>
+            </a:extLst>
+          </p:cNvPr>
+          <p:cNvSpPr>
+            <a:spLocks noGrp="1" noRot="1" noChangeAspect="1" noMove="1" noResize="1" noEditPoints="1" noAdjustHandles="1" noChangeArrowheads="1" noChangeShapeType="1" noTextEdit="1"/>
+          </p:cNvSpPr>
+          <p:nvPr>
+            <p:extLst>
+              <p:ext uri="{386F3935-93C4-4BCD-93E2-E3B085C9AB24}">
+                <p16:designElem xmlns:p16="http://schemas.microsoft.com/office/powerpoint/2015/main" val="1"/>
+              </p:ext>
+            </p:extLst>
+          </p:nvPr>
+        </p:nvSpPr>
+        <p:spPr>
+          <a:xfrm flipH="1">
+            <a:off x="7604080" y="6453143"/>
+            <a:ext cx="814903" cy="404857"/>
+          </a:xfrm>
+          <a:prstGeom prst="triangle">
+            <a:avLst/>
+          </a:prstGeom>
+          <a:solidFill>
+            <a:schemeClr val="accent1">
+              <a:alpha val="30000"/>
+            </a:schemeClr>
+          </a:solidFill>
+          <a:ln>
+            <a:noFill/>
+          </a:ln>
+        </p:spPr>
+        <p:style>
+          <a:lnRef idx="2">
+            <a:schemeClr val="accent1">
+              <a:shade val="50000"/>
+            </a:schemeClr>
+          </a:lnRef>
+          <a:fillRef idx="1">
+            <a:schemeClr val="accent1"/>
+          </a:fillRef>
+          <a:effectRef idx="0">
+            <a:schemeClr val="accent1"/>
+          </a:effectRef>
+          <a:fontRef idx="minor">
+            <a:schemeClr val="lt1"/>
+          </a:fontRef>
+        </p:style>
+        <p:txBody>
+          <a:bodyPr rtlCol="0" anchor="ctr"/>
+          <a:lstStyle/>
+          <a:p>
+            <a:pPr algn="ctr"/>
+            <a:endParaRPr lang="en-US"/>
+          </a:p>
+        </p:txBody>
+      </p:sp>
+      <p:pic>
+        <p:nvPicPr>
+          <p:cNvPr id="4" name="Picture 3">
+            <a:extLst>
+              <a:ext uri="{FF2B5EF4-FFF2-40B4-BE49-F238E27FC236}">
                 <a16:creationId xmlns:a16="http://schemas.microsoft.com/office/drawing/2014/main" id="{3E225513-0ADB-4743-9A89-14E8F93F8A0D}"/>
               </a:ext>
             </a:extLst>
@@ -13877,6 +14496,754 @@
 </p:sld>
 </file>
 
+<file path=ppt/slides/slide20.xml><?xml version="1.0" encoding="utf-8"?>
+<p:sld xmlns:a="http://schemas.openxmlformats.org/drawingml/2006/main" xmlns:r="http://schemas.openxmlformats.org/officeDocument/2006/relationships" xmlns:p="http://schemas.openxmlformats.org/presentationml/2006/main">
+  <p:cSld>
+    <p:bg>
+      <p:bgPr>
+        <a:solidFill>
+          <a:schemeClr val="bg1"/>
+        </a:solidFill>
+        <a:effectLst/>
+      </p:bgPr>
+    </p:bg>
+    <p:spTree>
+      <p:nvGrpSpPr>
+        <p:cNvPr id="1" name=""/>
+        <p:cNvGrpSpPr/>
+        <p:nvPr/>
+      </p:nvGrpSpPr>
+      <p:grpSpPr>
+        <a:xfrm>
+          <a:off x="0" y="0"/>
+          <a:ext cx="0" cy="0"/>
+          <a:chOff x="0" y="0"/>
+          <a:chExt cx="0" cy="0"/>
+        </a:xfrm>
+      </p:grpSpPr>
+      <p:sp useBgFill="1">
+        <p:nvSpPr>
+          <p:cNvPr id="61" name="Rectangle 48">
+            <a:extLst>
+              <a:ext uri="{FF2B5EF4-FFF2-40B4-BE49-F238E27FC236}">
+                <a16:creationId xmlns:a16="http://schemas.microsoft.com/office/drawing/2014/main" id="{777A147A-9ED8-46B4-8660-1B3C2AA880B5}"/>
+              </a:ext>
+              <a:ext uri="{C183D7F6-B498-43B3-948B-1728B52AA6E4}">
+                <adec:decorative xmlns:adec="http://schemas.microsoft.com/office/drawing/2017/decorative" val="1"/>
+              </a:ext>
+            </a:extLst>
+          </p:cNvPr>
+          <p:cNvSpPr>
+            <a:spLocks noGrp="1" noRot="1" noChangeAspect="1" noMove="1" noResize="1" noEditPoints="1" noAdjustHandles="1" noChangeArrowheads="1" noChangeShapeType="1" noTextEdit="1"/>
+          </p:cNvSpPr>
+          <p:nvPr>
+            <p:extLst>
+              <p:ext uri="{386F3935-93C4-4BCD-93E2-E3B085C9AB24}">
+                <p16:designElem xmlns:p16="http://schemas.microsoft.com/office/powerpoint/2015/main" val="1"/>
+              </p:ext>
+            </p:extLst>
+          </p:nvPr>
+        </p:nvSpPr>
+        <p:spPr>
+          <a:xfrm>
+            <a:off x="0" y="0"/>
+            <a:ext cx="12188952" cy="6858000"/>
+          </a:xfrm>
+          <a:prstGeom prst="rect">
+            <a:avLst/>
+          </a:prstGeom>
+          <a:ln>
+            <a:noFill/>
+          </a:ln>
+        </p:spPr>
+        <p:style>
+          <a:lnRef idx="2">
+            <a:schemeClr val="accent1">
+              <a:shade val="50000"/>
+            </a:schemeClr>
+          </a:lnRef>
+          <a:fillRef idx="1">
+            <a:schemeClr val="accent1"/>
+          </a:fillRef>
+          <a:effectRef idx="0">
+            <a:schemeClr val="accent1"/>
+          </a:effectRef>
+          <a:fontRef idx="minor">
+            <a:schemeClr val="lt1"/>
+          </a:fontRef>
+        </p:style>
+        <p:txBody>
+          <a:bodyPr rtlCol="0" anchor="ctr"/>
+          <a:lstStyle/>
+          <a:p>
+            <a:pPr algn="ctr"/>
+            <a:endParaRPr lang="en-US"/>
+          </a:p>
+        </p:txBody>
+      </p:sp>
+      <p:sp>
+        <p:nvSpPr>
+          <p:cNvPr id="2" name="Title 1">
+            <a:extLst>
+              <a:ext uri="{FF2B5EF4-FFF2-40B4-BE49-F238E27FC236}">
+                <a16:creationId xmlns:a16="http://schemas.microsoft.com/office/drawing/2014/main" id="{4459AFEC-5EFB-4199-8602-257DBFC58C17}"/>
+              </a:ext>
+            </a:extLst>
+          </p:cNvPr>
+          <p:cNvSpPr>
+            <a:spLocks noGrp="1"/>
+          </p:cNvSpPr>
+          <p:nvPr>
+            <p:ph type="title"/>
+          </p:nvPr>
+        </p:nvSpPr>
+        <p:spPr>
+          <a:xfrm>
+            <a:off x="841248" y="548640"/>
+            <a:ext cx="3600860" cy="5431536"/>
+          </a:xfrm>
+        </p:spPr>
+        <p:txBody>
+          <a:bodyPr vert="horz" lIns="91440" tIns="45720" rIns="91440" bIns="45720" rtlCol="0" anchor="ctr">
+            <a:normAutofit/>
+          </a:bodyPr>
+          <a:lstStyle/>
+          <a:p>
+            <a:r>
+              <a:rPr lang="en-US" sz="5400" kern="1200">
+                <a:solidFill>
+                  <a:schemeClr val="tx1"/>
+                </a:solidFill>
+                <a:latin typeface="+mj-lt"/>
+                <a:ea typeface="+mj-ea"/>
+                <a:cs typeface="+mj-cs"/>
+              </a:rPr>
+              <a:t>Sources</a:t>
+            </a:r>
+            <a:endParaRPr lang="en-US" sz="5400" kern="1200" dirty="0">
+              <a:solidFill>
+                <a:schemeClr val="tx1"/>
+              </a:solidFill>
+              <a:latin typeface="+mj-lt"/>
+              <a:ea typeface="+mj-ea"/>
+              <a:cs typeface="+mj-cs"/>
+            </a:endParaRPr>
+          </a:p>
+        </p:txBody>
+      </p:sp>
+      <p:sp>
+        <p:nvSpPr>
+          <p:cNvPr id="62" name="sketch line">
+            <a:extLst>
+              <a:ext uri="{FF2B5EF4-FFF2-40B4-BE49-F238E27FC236}">
+                <a16:creationId xmlns:a16="http://schemas.microsoft.com/office/drawing/2014/main" id="{5D6C15A0-C087-4593-8414-2B4EC1CDC3DE}"/>
+              </a:ext>
+              <a:ext uri="{C183D7F6-B498-43B3-948B-1728B52AA6E4}">
+                <adec:decorative xmlns:adec="http://schemas.microsoft.com/office/drawing/2017/decorative" val="1"/>
+              </a:ext>
+            </a:extLst>
+          </p:cNvPr>
+          <p:cNvSpPr>
+            <a:spLocks noGrp="1" noRot="1" noChangeAspect="1" noMove="1" noResize="1" noEditPoints="1" noAdjustHandles="1" noChangeArrowheads="1" noChangeShapeType="1" noTextEdit="1"/>
+          </p:cNvSpPr>
+          <p:nvPr>
+            <p:extLst>
+              <p:ext uri="{386F3935-93C4-4BCD-93E2-E3B085C9AB24}">
+                <p16:designElem xmlns:p16="http://schemas.microsoft.com/office/powerpoint/2015/main" val="1"/>
+              </p:ext>
+            </p:extLst>
+          </p:nvPr>
+        </p:nvSpPr>
+        <p:spPr>
+          <a:xfrm rot="5400000">
+            <a:off x="2543983" y="3258715"/>
+            <a:ext cx="4480560" cy="18288"/>
+          </a:xfrm>
+          <a:custGeom>
+            <a:avLst/>
+            <a:gdLst>
+              <a:gd name="connsiteX0" fmla="*/ 0 w 4480560"/>
+              <a:gd name="connsiteY0" fmla="*/ 0 h 18288"/>
+              <a:gd name="connsiteX1" fmla="*/ 595274 w 4480560"/>
+              <a:gd name="connsiteY1" fmla="*/ 0 h 18288"/>
+              <a:gd name="connsiteX2" fmla="*/ 1100938 w 4480560"/>
+              <a:gd name="connsiteY2" fmla="*/ 0 h 18288"/>
+              <a:gd name="connsiteX3" fmla="*/ 1651406 w 4480560"/>
+              <a:gd name="connsiteY3" fmla="*/ 0 h 18288"/>
+              <a:gd name="connsiteX4" fmla="*/ 2336292 w 4480560"/>
+              <a:gd name="connsiteY4" fmla="*/ 0 h 18288"/>
+              <a:gd name="connsiteX5" fmla="*/ 2931566 w 4480560"/>
+              <a:gd name="connsiteY5" fmla="*/ 0 h 18288"/>
+              <a:gd name="connsiteX6" fmla="*/ 3482035 w 4480560"/>
+              <a:gd name="connsiteY6" fmla="*/ 0 h 18288"/>
+              <a:gd name="connsiteX7" fmla="*/ 4480560 w 4480560"/>
+              <a:gd name="connsiteY7" fmla="*/ 0 h 18288"/>
+              <a:gd name="connsiteX8" fmla="*/ 4480560 w 4480560"/>
+              <a:gd name="connsiteY8" fmla="*/ 18288 h 18288"/>
+              <a:gd name="connsiteX9" fmla="*/ 3840480 w 4480560"/>
+              <a:gd name="connsiteY9" fmla="*/ 18288 h 18288"/>
+              <a:gd name="connsiteX10" fmla="*/ 3290011 w 4480560"/>
+              <a:gd name="connsiteY10" fmla="*/ 18288 h 18288"/>
+              <a:gd name="connsiteX11" fmla="*/ 2560320 w 4480560"/>
+              <a:gd name="connsiteY11" fmla="*/ 18288 h 18288"/>
+              <a:gd name="connsiteX12" fmla="*/ 1965046 w 4480560"/>
+              <a:gd name="connsiteY12" fmla="*/ 18288 h 18288"/>
+              <a:gd name="connsiteX13" fmla="*/ 1459382 w 4480560"/>
+              <a:gd name="connsiteY13" fmla="*/ 18288 h 18288"/>
+              <a:gd name="connsiteX14" fmla="*/ 774497 w 4480560"/>
+              <a:gd name="connsiteY14" fmla="*/ 18288 h 18288"/>
+              <a:gd name="connsiteX15" fmla="*/ 0 w 4480560"/>
+              <a:gd name="connsiteY15" fmla="*/ 18288 h 18288"/>
+              <a:gd name="connsiteX16" fmla="*/ 0 w 4480560"/>
+              <a:gd name="connsiteY16" fmla="*/ 0 h 18288"/>
+            </a:gdLst>
+            <a:ahLst/>
+            <a:cxnLst>
+              <a:cxn ang="0">
+                <a:pos x="connsiteX0" y="connsiteY0"/>
+              </a:cxn>
+              <a:cxn ang="0">
+                <a:pos x="connsiteX1" y="connsiteY1"/>
+              </a:cxn>
+              <a:cxn ang="0">
+                <a:pos x="connsiteX2" y="connsiteY2"/>
+              </a:cxn>
+              <a:cxn ang="0">
+                <a:pos x="connsiteX3" y="connsiteY3"/>
+              </a:cxn>
+              <a:cxn ang="0">
+                <a:pos x="connsiteX4" y="connsiteY4"/>
+              </a:cxn>
+              <a:cxn ang="0">
+                <a:pos x="connsiteX5" y="connsiteY5"/>
+              </a:cxn>
+              <a:cxn ang="0">
+                <a:pos x="connsiteX6" y="connsiteY6"/>
+              </a:cxn>
+              <a:cxn ang="0">
+                <a:pos x="connsiteX7" y="connsiteY7"/>
+              </a:cxn>
+              <a:cxn ang="0">
+                <a:pos x="connsiteX8" y="connsiteY8"/>
+              </a:cxn>
+              <a:cxn ang="0">
+                <a:pos x="connsiteX9" y="connsiteY9"/>
+              </a:cxn>
+              <a:cxn ang="0">
+                <a:pos x="connsiteX10" y="connsiteY10"/>
+              </a:cxn>
+              <a:cxn ang="0">
+                <a:pos x="connsiteX11" y="connsiteY11"/>
+              </a:cxn>
+              <a:cxn ang="0">
+                <a:pos x="connsiteX12" y="connsiteY12"/>
+              </a:cxn>
+              <a:cxn ang="0">
+                <a:pos x="connsiteX13" y="connsiteY13"/>
+              </a:cxn>
+              <a:cxn ang="0">
+                <a:pos x="connsiteX14" y="connsiteY14"/>
+              </a:cxn>
+              <a:cxn ang="0">
+                <a:pos x="connsiteX15" y="connsiteY15"/>
+              </a:cxn>
+              <a:cxn ang="0">
+                <a:pos x="connsiteX16" y="connsiteY16"/>
+              </a:cxn>
+            </a:cxnLst>
+            <a:rect l="l" t="t" r="r" b="b"/>
+            <a:pathLst>
+              <a:path w="4480560" h="18288" fill="none" extrusionOk="0">
+                <a:moveTo>
+                  <a:pt x="0" y="0"/>
+                </a:moveTo>
+                <a:cubicBezTo>
+                  <a:pt x="267821" y="8731"/>
+                  <a:pt x="334105" y="2629"/>
+                  <a:pt x="595274" y="0"/>
+                </a:cubicBezTo>
+                <a:cubicBezTo>
+                  <a:pt x="856443" y="-2629"/>
+                  <a:pt x="863808" y="-13353"/>
+                  <a:pt x="1100938" y="0"/>
+                </a:cubicBezTo>
+                <a:cubicBezTo>
+                  <a:pt x="1338068" y="13353"/>
+                  <a:pt x="1431663" y="-25862"/>
+                  <a:pt x="1651406" y="0"/>
+                </a:cubicBezTo>
+                <a:cubicBezTo>
+                  <a:pt x="1871149" y="25862"/>
+                  <a:pt x="2173163" y="23827"/>
+                  <a:pt x="2336292" y="0"/>
+                </a:cubicBezTo>
+                <a:cubicBezTo>
+                  <a:pt x="2499421" y="-23827"/>
+                  <a:pt x="2720589" y="28148"/>
+                  <a:pt x="2931566" y="0"/>
+                </a:cubicBezTo>
+                <a:cubicBezTo>
+                  <a:pt x="3142543" y="-28148"/>
+                  <a:pt x="3323630" y="27022"/>
+                  <a:pt x="3482035" y="0"/>
+                </a:cubicBezTo>
+                <a:cubicBezTo>
+                  <a:pt x="3640440" y="-27022"/>
+                  <a:pt x="4012110" y="-20118"/>
+                  <a:pt x="4480560" y="0"/>
+                </a:cubicBezTo>
+                <a:cubicBezTo>
+                  <a:pt x="4480958" y="7429"/>
+                  <a:pt x="4480540" y="10822"/>
+                  <a:pt x="4480560" y="18288"/>
+                </a:cubicBezTo>
+                <a:cubicBezTo>
+                  <a:pt x="4314132" y="14924"/>
+                  <a:pt x="4028383" y="36632"/>
+                  <a:pt x="3840480" y="18288"/>
+                </a:cubicBezTo>
+                <a:cubicBezTo>
+                  <a:pt x="3652577" y="-56"/>
+                  <a:pt x="3547615" y="2848"/>
+                  <a:pt x="3290011" y="18288"/>
+                </a:cubicBezTo>
+                <a:cubicBezTo>
+                  <a:pt x="3032407" y="33728"/>
+                  <a:pt x="2830268" y="8719"/>
+                  <a:pt x="2560320" y="18288"/>
+                </a:cubicBezTo>
+                <a:cubicBezTo>
+                  <a:pt x="2290372" y="27857"/>
+                  <a:pt x="2147422" y="6728"/>
+                  <a:pt x="1965046" y="18288"/>
+                </a:cubicBezTo>
+                <a:cubicBezTo>
+                  <a:pt x="1782670" y="29848"/>
+                  <a:pt x="1689791" y="40680"/>
+                  <a:pt x="1459382" y="18288"/>
+                </a:cubicBezTo>
+                <a:cubicBezTo>
+                  <a:pt x="1228973" y="-4104"/>
+                  <a:pt x="915486" y="36501"/>
+                  <a:pt x="774497" y="18288"/>
+                </a:cubicBezTo>
+                <a:cubicBezTo>
+                  <a:pt x="633508" y="75"/>
+                  <a:pt x="361442" y="-11107"/>
+                  <a:pt x="0" y="18288"/>
+                </a:cubicBezTo>
+                <a:cubicBezTo>
+                  <a:pt x="-591" y="13205"/>
+                  <a:pt x="-663" y="6329"/>
+                  <a:pt x="0" y="0"/>
+                </a:cubicBezTo>
+                <a:close/>
+              </a:path>
+              <a:path w="4480560" h="18288" stroke="0" extrusionOk="0">
+                <a:moveTo>
+                  <a:pt x="0" y="0"/>
+                </a:moveTo>
+                <a:cubicBezTo>
+                  <a:pt x="285465" y="225"/>
+                  <a:pt x="322691" y="16223"/>
+                  <a:pt x="595274" y="0"/>
+                </a:cubicBezTo>
+                <a:cubicBezTo>
+                  <a:pt x="867857" y="-16223"/>
+                  <a:pt x="989129" y="-11242"/>
+                  <a:pt x="1100938" y="0"/>
+                </a:cubicBezTo>
+                <a:cubicBezTo>
+                  <a:pt x="1212747" y="11242"/>
+                  <a:pt x="1574350" y="-36410"/>
+                  <a:pt x="1830629" y="0"/>
+                </a:cubicBezTo>
+                <a:cubicBezTo>
+                  <a:pt x="2086908" y="36410"/>
+                  <a:pt x="2180922" y="4645"/>
+                  <a:pt x="2425903" y="0"/>
+                </a:cubicBezTo>
+                <a:cubicBezTo>
+                  <a:pt x="2670884" y="-4645"/>
+                  <a:pt x="2782024" y="22929"/>
+                  <a:pt x="3021178" y="0"/>
+                </a:cubicBezTo>
+                <a:cubicBezTo>
+                  <a:pt x="3260332" y="-22929"/>
+                  <a:pt x="3456982" y="-1586"/>
+                  <a:pt x="3750869" y="0"/>
+                </a:cubicBezTo>
+                <a:cubicBezTo>
+                  <a:pt x="4044756" y="1586"/>
+                  <a:pt x="4302726" y="17043"/>
+                  <a:pt x="4480560" y="0"/>
+                </a:cubicBezTo>
+                <a:cubicBezTo>
+                  <a:pt x="4479674" y="5429"/>
+                  <a:pt x="4481381" y="14046"/>
+                  <a:pt x="4480560" y="18288"/>
+                </a:cubicBezTo>
+                <a:cubicBezTo>
+                  <a:pt x="4279652" y="-6850"/>
+                  <a:pt x="4200762" y="41566"/>
+                  <a:pt x="3930091" y="18288"/>
+                </a:cubicBezTo>
+                <a:cubicBezTo>
+                  <a:pt x="3659420" y="-4990"/>
+                  <a:pt x="3456052" y="22294"/>
+                  <a:pt x="3290011" y="18288"/>
+                </a:cubicBezTo>
+                <a:cubicBezTo>
+                  <a:pt x="3123970" y="14282"/>
+                  <a:pt x="2882392" y="32818"/>
+                  <a:pt x="2649931" y="18288"/>
+                </a:cubicBezTo>
+                <a:cubicBezTo>
+                  <a:pt x="2417470" y="3758"/>
+                  <a:pt x="2238426" y="7337"/>
+                  <a:pt x="2054657" y="18288"/>
+                </a:cubicBezTo>
+                <a:cubicBezTo>
+                  <a:pt x="1870888" y="29239"/>
+                  <a:pt x="1566368" y="45040"/>
+                  <a:pt x="1324966" y="18288"/>
+                </a:cubicBezTo>
+                <a:cubicBezTo>
+                  <a:pt x="1083564" y="-8464"/>
+                  <a:pt x="787410" y="10946"/>
+                  <a:pt x="595274" y="18288"/>
+                </a:cubicBezTo>
+                <a:cubicBezTo>
+                  <a:pt x="403138" y="25630"/>
+                  <a:pt x="169622" y="10499"/>
+                  <a:pt x="0" y="18288"/>
+                </a:cubicBezTo>
+                <a:cubicBezTo>
+                  <a:pt x="668" y="13665"/>
+                  <a:pt x="578" y="5675"/>
+                  <a:pt x="0" y="0"/>
+                </a:cubicBezTo>
+                <a:close/>
+              </a:path>
+            </a:pathLst>
+          </a:custGeom>
+          <a:solidFill>
+            <a:schemeClr val="accent2"/>
+          </a:solidFill>
+          <a:ln w="41275" cap="rnd">
+            <a:solidFill>
+              <a:schemeClr val="accent2"/>
+            </a:solidFill>
+            <a:round/>
+            <a:extLst>
+              <a:ext uri="{C807C97D-BFC1-408E-A445-0C87EB9F89A2}">
+                <ask:lineSketchStyleProps xmlns:ask="http://schemas.microsoft.com/office/drawing/2018/sketchyshapes" sd="1219033472">
+                  <a:prstGeom prst="rect">
+                    <a:avLst/>
+                  </a:prstGeom>
+                  <ask:type>
+                    <ask:lineSketchFreehand/>
+                  </ask:type>
+                </ask:lineSketchStyleProps>
+              </a:ext>
+            </a:extLst>
+          </a:ln>
+        </p:spPr>
+        <p:style>
+          <a:lnRef idx="2">
+            <a:schemeClr val="accent1">
+              <a:shade val="50000"/>
+            </a:schemeClr>
+          </a:lnRef>
+          <a:fillRef idx="1">
+            <a:schemeClr val="accent1"/>
+          </a:fillRef>
+          <a:effectRef idx="0">
+            <a:schemeClr val="accent1"/>
+          </a:effectRef>
+          <a:fontRef idx="minor">
+            <a:schemeClr val="lt1"/>
+          </a:fontRef>
+        </p:style>
+        <p:txBody>
+          <a:bodyPr rtlCol="0" anchor="ctr"/>
+          <a:lstStyle/>
+          <a:p>
+            <a:pPr algn="ctr"/>
+            <a:endParaRPr lang="en-US"/>
+          </a:p>
+        </p:txBody>
+      </p:sp>
+      <p:sp>
+        <p:nvSpPr>
+          <p:cNvPr id="5" name="TextBox 4">
+            <a:extLst>
+              <a:ext uri="{FF2B5EF4-FFF2-40B4-BE49-F238E27FC236}">
+                <a16:creationId xmlns:a16="http://schemas.microsoft.com/office/drawing/2014/main" id="{0C5EC82F-8CE8-4290-ACF7-E7EE64BC3429}"/>
+              </a:ext>
+            </a:extLst>
+          </p:cNvPr>
+          <p:cNvSpPr txBox="1"/>
+          <p:nvPr/>
+        </p:nvSpPr>
+        <p:spPr>
+          <a:xfrm>
+            <a:off x="4793407" y="552091"/>
+            <a:ext cx="7523002" cy="5431536"/>
+          </a:xfrm>
+          <a:prstGeom prst="rect">
+            <a:avLst/>
+          </a:prstGeom>
+        </p:spPr>
+        <p:txBody>
+          <a:bodyPr vert="horz" lIns="91440" tIns="45720" rIns="91440" bIns="45720" rtlCol="0" anchor="ctr">
+            <a:normAutofit lnSpcReduction="10000"/>
+          </a:bodyPr>
+          <a:lstStyle/>
+          <a:p>
+            <a:pPr marL="57150" defTabSz="914400">
+              <a:lnSpc>
+                <a:spcPct val="90000"/>
+              </a:lnSpc>
+              <a:spcAft>
+                <a:spcPts val="600"/>
+              </a:spcAft>
+            </a:pPr>
+            <a:r>
+              <a:rPr lang="en-US" sz="2200" b="0" i="0">
+                <a:effectLst/>
+              </a:rPr>
+              <a:t>WA crime statistics</a:t>
+            </a:r>
+          </a:p>
+          <a:p>
+            <a:pPr marL="57150" defTabSz="914400">
+              <a:lnSpc>
+                <a:spcPct val="90000"/>
+              </a:lnSpc>
+              <a:spcAft>
+                <a:spcPts val="600"/>
+              </a:spcAft>
+            </a:pPr>
+            <a:r>
+              <a:rPr lang="en-US" sz="2200" b="0" i="0" u="none" strike="noStrike">
+                <a:effectLst/>
+                <a:hlinkClick r:id="rId2"/>
+              </a:rPr>
+              <a:t>https://www.police.wa.gov.au/Crime/CrimeStatistics#/</a:t>
+            </a:r>
+            <a:endParaRPr lang="en-US" sz="2200" b="0" i="0" u="none" strike="noStrike">
+              <a:effectLst/>
+            </a:endParaRPr>
+          </a:p>
+          <a:p>
+            <a:pPr marL="57150" defTabSz="914400">
+              <a:lnSpc>
+                <a:spcPct val="90000"/>
+              </a:lnSpc>
+              <a:spcAft>
+                <a:spcPts val="600"/>
+              </a:spcAft>
+            </a:pPr>
+            <a:endParaRPr lang="en-US" sz="2200" b="0" i="0">
+              <a:effectLst/>
+            </a:endParaRPr>
+          </a:p>
+          <a:p>
+            <a:pPr marL="57150" defTabSz="914400">
+              <a:lnSpc>
+                <a:spcPct val="90000"/>
+              </a:lnSpc>
+              <a:spcAft>
+                <a:spcPts val="600"/>
+              </a:spcAft>
+            </a:pPr>
+            <a:r>
+              <a:rPr lang="en-US" sz="2200" b="0" i="0">
+                <a:effectLst/>
+              </a:rPr>
+              <a:t>WA Parliamentary Library  </a:t>
+            </a:r>
+          </a:p>
+          <a:p>
+            <a:pPr marL="57150" defTabSz="914400">
+              <a:lnSpc>
+                <a:spcPct val="90000"/>
+              </a:lnSpc>
+              <a:spcAft>
+                <a:spcPts val="600"/>
+              </a:spcAft>
+            </a:pPr>
+            <a:r>
+              <a:rPr lang="en-US" sz="2200" b="0" i="0" u="none" strike="noStrike">
+                <a:effectLst/>
+                <a:hlinkClick r:id="rId3"/>
+              </a:rPr>
+              <a:t>https://profile.id.com.au/wapl/population-estimate?BMID=40</a:t>
+            </a:r>
+            <a:endParaRPr lang="en-US" sz="2200"/>
+          </a:p>
+          <a:p>
+            <a:pPr marL="57150" defTabSz="914400">
+              <a:lnSpc>
+                <a:spcPct val="90000"/>
+              </a:lnSpc>
+              <a:spcAft>
+                <a:spcPts val="600"/>
+              </a:spcAft>
+            </a:pPr>
+            <a:endParaRPr lang="en-US" sz="2200" b="0" i="0">
+              <a:effectLst/>
+            </a:endParaRPr>
+          </a:p>
+          <a:p>
+            <a:pPr marL="57150" defTabSz="914400">
+              <a:lnSpc>
+                <a:spcPct val="90000"/>
+              </a:lnSpc>
+              <a:spcAft>
+                <a:spcPts val="600"/>
+              </a:spcAft>
+            </a:pPr>
+            <a:r>
+              <a:rPr lang="en-US" sz="2200" b="0" i="0">
+                <a:effectLst/>
+              </a:rPr>
+              <a:t>WAPOL District Boundaries  </a:t>
+            </a:r>
+          </a:p>
+          <a:p>
+            <a:pPr marL="57150" defTabSz="914400">
+              <a:lnSpc>
+                <a:spcPct val="90000"/>
+              </a:lnSpc>
+              <a:spcAft>
+                <a:spcPts val="600"/>
+              </a:spcAft>
+            </a:pPr>
+            <a:r>
+              <a:rPr lang="en-US" sz="2200" b="0" i="0" u="none" strike="noStrike">
+                <a:effectLst/>
+                <a:hlinkClick r:id="rId4"/>
+              </a:rPr>
+              <a:t>https://catalogue.data.wa.gov.au/dataset/wa-police-district-boundaries</a:t>
+            </a:r>
+            <a:endParaRPr lang="en-US" sz="2200" b="0" i="0" u="none" strike="noStrike">
+              <a:effectLst/>
+            </a:endParaRPr>
+          </a:p>
+          <a:p>
+            <a:pPr marL="57150" defTabSz="914400">
+              <a:lnSpc>
+                <a:spcPct val="90000"/>
+              </a:lnSpc>
+              <a:spcAft>
+                <a:spcPts val="600"/>
+              </a:spcAft>
+            </a:pPr>
+            <a:endParaRPr lang="en-US" sz="2200" b="0" i="0">
+              <a:effectLst/>
+            </a:endParaRPr>
+          </a:p>
+          <a:p>
+            <a:pPr marL="57150" defTabSz="914400">
+              <a:lnSpc>
+                <a:spcPct val="90000"/>
+              </a:lnSpc>
+              <a:spcAft>
+                <a:spcPts val="600"/>
+              </a:spcAft>
+            </a:pPr>
+            <a:r>
+              <a:rPr lang="en-US" sz="2200" b="0" i="0">
+                <a:effectLst/>
+              </a:rPr>
+              <a:t>The Guardian API </a:t>
+            </a:r>
+          </a:p>
+          <a:p>
+            <a:pPr marL="57150" defTabSz="914400">
+              <a:lnSpc>
+                <a:spcPct val="90000"/>
+              </a:lnSpc>
+              <a:spcAft>
+                <a:spcPts val="600"/>
+              </a:spcAft>
+            </a:pPr>
+            <a:r>
+              <a:rPr lang="en-US" sz="2200" b="0" i="0" u="none" strike="noStrike">
+                <a:effectLst/>
+                <a:hlinkClick r:id="rId5"/>
+              </a:rPr>
+              <a:t>https://open-platform.theguardian.com/</a:t>
+            </a:r>
+            <a:endParaRPr lang="en-US" sz="2200"/>
+          </a:p>
+          <a:p>
+            <a:pPr marL="57150" defTabSz="914400">
+              <a:lnSpc>
+                <a:spcPct val="90000"/>
+              </a:lnSpc>
+              <a:spcAft>
+                <a:spcPts val="600"/>
+              </a:spcAft>
+            </a:pPr>
+            <a:endParaRPr lang="en-US" sz="2200" b="0" i="0">
+              <a:effectLst/>
+            </a:endParaRPr>
+          </a:p>
+          <a:p>
+            <a:pPr marL="57150" defTabSz="914400">
+              <a:lnSpc>
+                <a:spcPct val="90000"/>
+              </a:lnSpc>
+              <a:spcAft>
+                <a:spcPts val="600"/>
+              </a:spcAft>
+            </a:pPr>
+            <a:r>
+              <a:rPr lang="en-US" sz="2200" b="0" i="0">
+                <a:effectLst/>
+              </a:rPr>
+              <a:t>Google Trends </a:t>
+            </a:r>
+            <a:endParaRPr lang="en-US" sz="2200"/>
+          </a:p>
+          <a:p>
+            <a:pPr marL="57150" defTabSz="914400">
+              <a:lnSpc>
+                <a:spcPct val="90000"/>
+              </a:lnSpc>
+              <a:spcAft>
+                <a:spcPts val="600"/>
+              </a:spcAft>
+            </a:pPr>
+            <a:r>
+              <a:rPr lang="en-US" sz="2200" b="0" i="0" u="none" strike="noStrike">
+                <a:effectLst/>
+                <a:hlinkClick r:id="rId6"/>
+              </a:rPr>
+              <a:t>https://trends.google.com/trends/?geo=AU</a:t>
+            </a:r>
+            <a:endParaRPr lang="en-US" sz="2200" b="0" i="0" u="none" strike="noStrike" dirty="0">
+              <a:effectLst/>
+            </a:endParaRPr>
+          </a:p>
+        </p:txBody>
+      </p:sp>
+    </p:spTree>
+    <p:extLst>
+      <p:ext uri="{BB962C8B-B14F-4D97-AF65-F5344CB8AC3E}">
+        <p14:creationId xmlns:p14="http://schemas.microsoft.com/office/powerpoint/2010/main" val="3374815560"/>
+      </p:ext>
+    </p:extLst>
+  </p:cSld>
+  <p:clrMapOvr>
+    <a:masterClrMapping/>
+  </p:clrMapOvr>
+</p:sld>
+</file>
+
 <file path=ppt/slides/slide3.xml><?xml version="1.0" encoding="utf-8"?>
 <p:sld xmlns:a="http://schemas.openxmlformats.org/drawingml/2006/main" xmlns:r="http://schemas.openxmlformats.org/officeDocument/2006/relationships" xmlns:p="http://schemas.openxmlformats.org/presentationml/2006/main">
   <p:cSld>
@@ -15216,7 +16583,7 @@
         <p:spPr>
           <a:xfrm>
             <a:off x="838199" y="1632858"/>
-            <a:ext cx="4041711" cy="4665374"/>
+            <a:ext cx="4806463" cy="4665374"/>
           </a:xfrm>
         </p:spPr>
         <p:txBody>
@@ -15253,13 +16620,16 @@
             <a:endParaRPr lang="en-US" sz="2000" dirty="0"/>
           </a:p>
           <a:p>
+            <a:endParaRPr lang="en-US" sz="2000" dirty="0"/>
+          </a:p>
+          <a:p>
             <a:pPr marL="228600" indent="-342900">
               <a:buFont typeface="Wingdings" panose="05000000000000000000" pitchFamily="2" charset="2"/>
               <a:buChar char="v"/>
             </a:pPr>
             <a:r>
               <a:rPr lang="en-US" sz="2000" b="1" dirty="0"/>
-              <a:t>Unique Increase in Crime Rate</a:t>
+              <a:t>Unique Increase in Domestic Violence</a:t>
             </a:r>
           </a:p>
           <a:p>
@@ -15318,7 +16688,7 @@
         </p:nvSpPr>
         <p:spPr>
           <a:xfrm>
-            <a:off x="4248074" y="3051111"/>
+            <a:off x="4527636" y="2760711"/>
             <a:ext cx="631836" cy="580800"/>
           </a:xfrm>
           <a:prstGeom prst="downArrow">
@@ -15391,7 +16761,7 @@
         </p:nvSpPr>
         <p:spPr>
           <a:xfrm>
-            <a:off x="4248074" y="4599116"/>
+            <a:off x="4527636" y="4602973"/>
             <a:ext cx="631836" cy="622169"/>
           </a:xfrm>
           <a:prstGeom prst="upArrow">

--- a/Project 1 - Group3.pptx
+++ b/Project 1 - Group3.pptx
@@ -16629,7 +16629,7 @@
             </a:pPr>
             <a:r>
               <a:rPr lang="en-US" sz="2000" b="1" dirty="0"/>
-              <a:t>Unique Increase in Domestic Violence</a:t>
+              <a:t>Highest Increase in Domestic Violence</a:t>
             </a:r>
           </a:p>
           <a:p>

--- a/Project 1 - Group3.pptx
+++ b/Project 1 - Group3.pptx
@@ -5096,7 +5096,7 @@
           <a:p>
             <a:fld id="{8C6429F7-7731-4853-9ED8-E0C074C394DE}" type="datetimeFigureOut">
               <a:rPr lang="en-AU" smtClean="0"/>
-              <a:t>3/05/2021</a:t>
+              <a:t>4/05/2021</a:t>
             </a:fld>
             <a:endParaRPr lang="en-AU"/>
           </a:p>
@@ -5266,7 +5266,7 @@
           <a:p>
             <a:fld id="{8C6429F7-7731-4853-9ED8-E0C074C394DE}" type="datetimeFigureOut">
               <a:rPr lang="en-AU" smtClean="0"/>
-              <a:t>3/05/2021</a:t>
+              <a:t>4/05/2021</a:t>
             </a:fld>
             <a:endParaRPr lang="en-AU"/>
           </a:p>
@@ -5446,7 +5446,7 @@
           <a:p>
             <a:fld id="{8C6429F7-7731-4853-9ED8-E0C074C394DE}" type="datetimeFigureOut">
               <a:rPr lang="en-AU" smtClean="0"/>
-              <a:t>3/05/2021</a:t>
+              <a:t>4/05/2021</a:t>
             </a:fld>
             <a:endParaRPr lang="en-AU"/>
           </a:p>
@@ -5616,7 +5616,7 @@
           <a:p>
             <a:fld id="{8C6429F7-7731-4853-9ED8-E0C074C394DE}" type="datetimeFigureOut">
               <a:rPr lang="en-AU" smtClean="0"/>
-              <a:t>3/05/2021</a:t>
+              <a:t>4/05/2021</a:t>
             </a:fld>
             <a:endParaRPr lang="en-AU"/>
           </a:p>
@@ -5862,7 +5862,7 @@
           <a:p>
             <a:fld id="{8C6429F7-7731-4853-9ED8-E0C074C394DE}" type="datetimeFigureOut">
               <a:rPr lang="en-AU" smtClean="0"/>
-              <a:t>3/05/2021</a:t>
+              <a:t>4/05/2021</a:t>
             </a:fld>
             <a:endParaRPr lang="en-AU"/>
           </a:p>
@@ -6094,7 +6094,7 @@
           <a:p>
             <a:fld id="{8C6429F7-7731-4853-9ED8-E0C074C394DE}" type="datetimeFigureOut">
               <a:rPr lang="en-AU" smtClean="0"/>
-              <a:t>3/05/2021</a:t>
+              <a:t>4/05/2021</a:t>
             </a:fld>
             <a:endParaRPr lang="en-AU"/>
           </a:p>
@@ -6461,7 +6461,7 @@
           <a:p>
             <a:fld id="{8C6429F7-7731-4853-9ED8-E0C074C394DE}" type="datetimeFigureOut">
               <a:rPr lang="en-AU" smtClean="0"/>
-              <a:t>3/05/2021</a:t>
+              <a:t>4/05/2021</a:t>
             </a:fld>
             <a:endParaRPr lang="en-AU"/>
           </a:p>
@@ -6579,7 +6579,7 @@
           <a:p>
             <a:fld id="{8C6429F7-7731-4853-9ED8-E0C074C394DE}" type="datetimeFigureOut">
               <a:rPr lang="en-AU" smtClean="0"/>
-              <a:t>3/05/2021</a:t>
+              <a:t>4/05/2021</a:t>
             </a:fld>
             <a:endParaRPr lang="en-AU"/>
           </a:p>
@@ -6674,7 +6674,7 @@
           <a:p>
             <a:fld id="{8C6429F7-7731-4853-9ED8-E0C074C394DE}" type="datetimeFigureOut">
               <a:rPr lang="en-AU" smtClean="0"/>
-              <a:t>3/05/2021</a:t>
+              <a:t>4/05/2021</a:t>
             </a:fld>
             <a:endParaRPr lang="en-AU"/>
           </a:p>
@@ -6951,7 +6951,7 @@
           <a:p>
             <a:fld id="{8C6429F7-7731-4853-9ED8-E0C074C394DE}" type="datetimeFigureOut">
               <a:rPr lang="en-AU" smtClean="0"/>
-              <a:t>3/05/2021</a:t>
+              <a:t>4/05/2021</a:t>
             </a:fld>
             <a:endParaRPr lang="en-AU"/>
           </a:p>
@@ -7208,7 +7208,7 @@
           <a:p>
             <a:fld id="{8C6429F7-7731-4853-9ED8-E0C074C394DE}" type="datetimeFigureOut">
               <a:rPr lang="en-AU" smtClean="0"/>
-              <a:t>3/05/2021</a:t>
+              <a:t>4/05/2021</a:t>
             </a:fld>
             <a:endParaRPr lang="en-AU"/>
           </a:p>
@@ -7421,7 +7421,7 @@
           <a:p>
             <a:fld id="{8C6429F7-7731-4853-9ED8-E0C074C394DE}" type="datetimeFigureOut">
               <a:rPr lang="en-AU" smtClean="0"/>
-              <a:t>3/05/2021</a:t>
+              <a:t>4/05/2021</a:t>
             </a:fld>
             <a:endParaRPr lang="en-AU"/>
           </a:p>
@@ -14430,7 +14430,7 @@
                   <a:srgbClr val="000000"/>
                 </a:solidFill>
               </a:rPr>
-              <a:t>There is a positive co- relation(0.43) between domestic violence cases and Google searches for 1800 Respect in Australia which can be a suitable variable for predictive policing in the future</a:t>
+              <a:t>There is a positive and statistically significant correlation (r = 0.43, p = 0.0) between domestic violence cases and Google searches for 1800 Respect in Australia which can be a suitable variable for predictive policing in the future</a:t>
             </a:r>
           </a:p>
           <a:p>
